--- a/SyriaTel Customer Churn Predictive Analysis.pptx
+++ b/SyriaTel Customer Churn Predictive Analysis.pptx
@@ -9336,7 +9336,31 @@
                   <a:schemeClr val="dk1"/>
                 </a:solidFill>
               </a:rPr>
-              <a:t>The XGBoost model achieved the highest accuracy of 90% and a recall of 88%.</a:t>
+              <a:t>The XGBoost model achieved the highest accuracy of 90% and a recall </a:t>
+            </a:r>
+            <a:r>
+              <a:rPr lang="en" sz="1100">
+                <a:solidFill>
+                  <a:schemeClr val="dk1"/>
+                </a:solidFill>
+              </a:rPr>
+              <a:t>of </a:t>
+            </a:r>
+            <a:r>
+              <a:rPr lang="en" sz="1100" smtClean="0">
+                <a:solidFill>
+                  <a:schemeClr val="dk1"/>
+                </a:solidFill>
+              </a:rPr>
+              <a:t>69</a:t>
+            </a:r>
+            <a:r>
+              <a:rPr lang="en" sz="1100" smtClean="0">
+                <a:solidFill>
+                  <a:schemeClr val="dk1"/>
+                </a:solidFill>
+              </a:rPr>
+              <a:t>%.</a:t>
             </a:r>
             <a:endParaRPr sz="1100" dirty="0">
               <a:solidFill>

--- a/SyriaTel Customer Churn Predictive Analysis.pptx
+++ b/SyriaTel Customer Churn Predictive Analysis.pptx
@@ -8783,7 +8783,23 @@
                   <a:schemeClr val="dk1"/>
                 </a:solidFill>
               </a:rPr>
-              <a:t>Logistic regression model was created to predict customer churn based on various features.</a:t>
+              <a:t>Logistic regression model was </a:t>
+            </a:r>
+            <a:r>
+              <a:rPr lang="en" sz="1100" dirty="0" smtClean="0">
+                <a:solidFill>
+                  <a:schemeClr val="dk1"/>
+                </a:solidFill>
+              </a:rPr>
+              <a:t>created as a base model </a:t>
+            </a:r>
+            <a:r>
+              <a:rPr lang="en" sz="1100" dirty="0">
+                <a:solidFill>
+                  <a:schemeClr val="dk1"/>
+                </a:solidFill>
+              </a:rPr>
+              <a:t>to predict customer churn based on various features.</a:t>
             </a:r>
             <a:endParaRPr sz="1100" dirty="0">
               <a:solidFill>
@@ -9002,7 +9018,15 @@
                   <a:schemeClr val="dk1"/>
                 </a:solidFill>
               </a:rPr>
-              <a:t>The decision tree classifier achieved an accuracy of 82% and a recall of 75%.</a:t>
+              <a:t>The decision tree classifier achieved an accuracy of 82% and a recall of </a:t>
+            </a:r>
+            <a:r>
+              <a:rPr lang="en" sz="1100" dirty="0" smtClean="0">
+                <a:solidFill>
+                  <a:schemeClr val="dk1"/>
+                </a:solidFill>
+              </a:rPr>
+              <a:t>76%.</a:t>
             </a:r>
             <a:endParaRPr sz="1100" dirty="0">
               <a:solidFill>
@@ -9336,18 +9360,10 @@
                   <a:schemeClr val="dk1"/>
                 </a:solidFill>
               </a:rPr>
-              <a:t>The XGBoost model achieved the highest accuracy of 90% and a recall </a:t>
+              <a:t>The XGBoost model achieved the highest accuracy of 90% and a recall of </a:t>
             </a:r>
             <a:r>
-              <a:rPr lang="en" sz="1100">
-                <a:solidFill>
-                  <a:schemeClr val="dk1"/>
-                </a:solidFill>
-              </a:rPr>
-              <a:t>of </a:t>
-            </a:r>
-            <a:r>
-              <a:rPr lang="en" sz="1100" smtClean="0">
+              <a:rPr lang="en" sz="1100" dirty="0" smtClean="0">
                 <a:solidFill>
                   <a:schemeClr val="dk1"/>
                 </a:solidFill>
@@ -9355,7 +9371,7 @@
               <a:t>69</a:t>
             </a:r>
             <a:r>
-              <a:rPr lang="en" sz="1100" smtClean="0">
+              <a:rPr lang="en" sz="1100" dirty="0" smtClean="0">
                 <a:solidFill>
                   <a:schemeClr val="dk1"/>
                 </a:solidFill>
@@ -9634,10 +9650,10 @@
               <a:buNone/>
             </a:pPr>
             <a:r>
-              <a:rPr lang="en"/>
+              <a:rPr lang="en" dirty="0"/>
               <a:t>Conclusion</a:t>
             </a:r>
-            <a:endParaRPr/>
+            <a:endParaRPr dirty="0"/>
           </a:p>
         </p:txBody>
       </p:sp>
@@ -9666,7 +9682,10 @@
           </a:bodyPr>
           <a:lstStyle/>
           <a:p>
-            <a:pPr lvl="0" algn="ctr"/>
+            <a:pPr marL="285750" lvl="0" indent="-285750">
+              <a:buFont typeface="Arial" panose="020B0604020202020204" pitchFamily="34" charset="0"/>
+              <a:buChar char="•"/>
+            </a:pPr>
             <a:r>
               <a:rPr lang="en-US" dirty="0"/>
               <a:t>The preferred machine learning model for predicting customer churn is decision trees. </a:t>
@@ -9674,14 +9693,113 @@
             <a:endParaRPr lang="en-US" dirty="0" smtClean="0"/>
           </a:p>
           <a:p>
-            <a:pPr lvl="0" algn="ctr"/>
+            <a:pPr marL="285750" lvl="0" indent="-285750">
+              <a:buFont typeface="Arial" panose="020B0604020202020204" pitchFamily="34" charset="0"/>
+              <a:buChar char="•"/>
+            </a:pPr>
             <a:r>
               <a:rPr lang="en-US" dirty="0" smtClean="0"/>
               <a:t>To </a:t>
             </a:r>
             <a:r>
               <a:rPr lang="en-US" dirty="0"/>
-              <a:t>reduce churn, suggested strategies involve targeted promotions and loyalty programs based on total charges, improving customer service interactions, proactive outreach based on call analysis, creating appealing bundled plans for international and voicemail features, and implementing usage-based incentives and win-back campaigns for calls, minutes, and account length</a:t>
+              <a:t>reduce churn, suggested strategies </a:t>
+            </a:r>
+            <a:r>
+              <a:rPr lang="en-US" dirty="0" smtClean="0"/>
+              <a:t>involve: </a:t>
+            </a:r>
+          </a:p>
+          <a:p>
+            <a:pPr marL="342900" lvl="0" indent="-342900" algn="just">
+              <a:buFont typeface="+mj-lt"/>
+              <a:buAutoNum type="arabicPeriod"/>
+            </a:pPr>
+            <a:r>
+              <a:rPr lang="en-US" dirty="0" smtClean="0"/>
+              <a:t>T</a:t>
+            </a:r>
+            <a:r>
+              <a:rPr lang="en-US" dirty="0" smtClean="0"/>
+              <a:t>argeted </a:t>
+            </a:r>
+            <a:r>
+              <a:rPr lang="en-US" dirty="0"/>
+              <a:t>promotions and loyalty programs based on total </a:t>
+            </a:r>
+            <a:r>
+              <a:rPr lang="en-US" dirty="0" smtClean="0"/>
+              <a:t>charges </a:t>
+            </a:r>
+          </a:p>
+          <a:p>
+            <a:pPr marL="342900" lvl="0" indent="-342900" algn="just">
+              <a:buFont typeface="+mj-lt"/>
+              <a:buAutoNum type="arabicPeriod"/>
+            </a:pPr>
+            <a:r>
+              <a:rPr lang="en-US" dirty="0"/>
+              <a:t>I</a:t>
+            </a:r>
+            <a:r>
+              <a:rPr lang="en-US" dirty="0" smtClean="0"/>
+              <a:t>mproving </a:t>
+            </a:r>
+            <a:r>
+              <a:rPr lang="en-US" dirty="0"/>
+              <a:t>customer service </a:t>
+            </a:r>
+            <a:r>
+              <a:rPr lang="en-US" dirty="0" smtClean="0"/>
+              <a:t>interactions</a:t>
+            </a:r>
+            <a:r>
+              <a:rPr lang="en-US" dirty="0"/>
+              <a:t>.</a:t>
+            </a:r>
+            <a:r>
+              <a:rPr lang="en-US" dirty="0" smtClean="0"/>
+              <a:t> </a:t>
+            </a:r>
+          </a:p>
+          <a:p>
+            <a:pPr marL="342900" lvl="0" indent="-342900" algn="just">
+              <a:buFont typeface="+mj-lt"/>
+              <a:buAutoNum type="arabicPeriod"/>
+            </a:pPr>
+            <a:r>
+              <a:rPr lang="en-US" dirty="0"/>
+              <a:t>P</a:t>
+            </a:r>
+            <a:r>
+              <a:rPr lang="en-US" dirty="0" smtClean="0"/>
+              <a:t>roactive </a:t>
+            </a:r>
+            <a:r>
+              <a:rPr lang="en-US" dirty="0"/>
+              <a:t>outreach based on call analysis, creating appealing bundled plans for international and voicemail </a:t>
+            </a:r>
+            <a:r>
+              <a:rPr lang="en-US" dirty="0" smtClean="0"/>
+              <a:t>features </a:t>
+            </a:r>
+          </a:p>
+          <a:p>
+            <a:pPr marL="342900" lvl="0" indent="-342900" algn="just">
+              <a:buFont typeface="+mj-lt"/>
+              <a:buAutoNum type="arabicPeriod"/>
+            </a:pPr>
+            <a:r>
+              <a:rPr lang="en-US" dirty="0" smtClean="0"/>
+              <a:t>I</a:t>
+            </a:r>
+            <a:r>
+              <a:rPr lang="en-US" dirty="0" smtClean="0"/>
+              <a:t>mplementing </a:t>
+            </a:r>
+            <a:r>
+              <a:rPr lang="en-US" dirty="0"/>
+              <a:t>usage-based incentives and win-back campaigns for calls, minutes, and account length</a:t>
             </a:r>
             <a:r>
               <a:rPr lang="en-US" dirty="0" smtClean="0"/>
@@ -9689,7 +9807,10 @@
             </a:r>
           </a:p>
           <a:p>
-            <a:pPr lvl="0" algn="ctr"/>
+            <a:pPr marL="285750" lvl="0" indent="-285750">
+              <a:buFont typeface="Arial" panose="020B0604020202020204" pitchFamily="34" charset="0"/>
+              <a:buChar char="•"/>
+            </a:pPr>
             <a:r>
               <a:rPr lang="en-US" dirty="0" smtClean="0"/>
               <a:t> </a:t>
